--- a/presentations/n-layer.pptx
+++ b/presentations/n-layer.pptx
@@ -5,7 +5,7 @@
     <p:sldMasterId id="2147483660" r:id="rId1"/>
   </p:sldMasterIdLst>
   <p:notesMasterIdLst>
-    <p:notesMasterId r:id="rId25"/>
+    <p:notesMasterId r:id="rId27"/>
   </p:notesMasterIdLst>
   <p:sldIdLst>
     <p:sldId id="256" r:id="rId2"/>
@@ -28,19 +28,19 @@
     <p:sldId id="313" r:id="rId19"/>
     <p:sldId id="322" r:id="rId20"/>
     <p:sldId id="283" r:id="rId21"/>
-    <p:sldId id="321" r:id="rId22"/>
-    <p:sldId id="267" r:id="rId23"/>
-    <p:sldId id="288" r:id="rId24"/>
+    <p:sldId id="332" r:id="rId22"/>
+    <p:sldId id="328" r:id="rId23"/>
+    <p:sldId id="329" r:id="rId24"/>
+    <p:sldId id="330" r:id="rId25"/>
+    <p:sldId id="331" r:id="rId26"/>
   </p:sldIdLst>
   <p:sldSz cx="12192000" cy="6858000"/>
   <p:notesSz cx="6858000" cy="9144000"/>
   <p:embeddedFontLst>
     <p:embeddedFont>
-      <p:font typeface="Consolas" panose="020B0609020204030204" pitchFamily="49" charset="0"/>
-      <p:regular r:id="rId26"/>
-      <p:bold r:id="rId27"/>
-      <p:italic r:id="rId28"/>
-      <p:boldItalic r:id="rId29"/>
+      <p:font typeface="Franklin Gothic Book" panose="020B0503020102020204" pitchFamily="34" charset="0"/>
+      <p:regular r:id="rId28"/>
+      <p:italic r:id="rId29"/>
     </p:embeddedFont>
     <p:embeddedFont>
       <p:font typeface="Calibri" panose="020F0502020204030204" pitchFamily="34" charset="0"/>
@@ -48,11 +48,6 @@
       <p:bold r:id="rId31"/>
       <p:italic r:id="rId32"/>
       <p:boldItalic r:id="rId33"/>
-    </p:embeddedFont>
-    <p:embeddedFont>
-      <p:font typeface="Franklin Gothic Book" panose="020B0604020202020204" charset="0"/>
-      <p:regular r:id="rId34"/>
-      <p:italic r:id="rId35"/>
     </p:embeddedFont>
   </p:embeddedFontLst>
   <p:defaultTextStyle>
@@ -1100,6 +1095,13 @@
         </dgm:presLayoutVars>
       </dgm:prSet>
       <dgm:spPr/>
+      <dgm:t>
+        <a:bodyPr/>
+        <a:lstStyle/>
+        <a:p>
+          <a:endParaRPr lang="en-US"/>
+        </a:p>
+      </dgm:t>
     </dgm:pt>
     <dgm:pt modelId="{68F4D7F7-3998-4FC0-A671-F4503EDD4077}" type="pres">
       <dgm:prSet presAssocID="{DB074428-CBBB-4A4F-A2D7-5977E738EEF9}" presName="node" presStyleLbl="node1" presStyleIdx="0" presStyleCnt="3" custLinFactNeighborX="378">
@@ -1108,14 +1110,35 @@
         </dgm:presLayoutVars>
       </dgm:prSet>
       <dgm:spPr/>
+      <dgm:t>
+        <a:bodyPr/>
+        <a:lstStyle/>
+        <a:p>
+          <a:endParaRPr lang="en-US"/>
+        </a:p>
+      </dgm:t>
     </dgm:pt>
     <dgm:pt modelId="{90E2F997-50B3-492E-913A-80A3F0B7C114}" type="pres">
       <dgm:prSet presAssocID="{0D38AE7D-7F6C-4001-8655-D528D643132E}" presName="sibTrans" presStyleLbl="sibTrans2D1" presStyleIdx="0" presStyleCnt="2"/>
       <dgm:spPr/>
+      <dgm:t>
+        <a:bodyPr/>
+        <a:lstStyle/>
+        <a:p>
+          <a:endParaRPr lang="en-US"/>
+        </a:p>
+      </dgm:t>
     </dgm:pt>
     <dgm:pt modelId="{723F342E-3935-4227-9B47-185D8668F21D}" type="pres">
       <dgm:prSet presAssocID="{0D38AE7D-7F6C-4001-8655-D528D643132E}" presName="connectorText" presStyleLbl="sibTrans2D1" presStyleIdx="0" presStyleCnt="2"/>
       <dgm:spPr/>
+      <dgm:t>
+        <a:bodyPr/>
+        <a:lstStyle/>
+        <a:p>
+          <a:endParaRPr lang="en-US"/>
+        </a:p>
+      </dgm:t>
     </dgm:pt>
     <dgm:pt modelId="{577211C9-6DBB-4467-960F-4DA4DEA0189F}" type="pres">
       <dgm:prSet presAssocID="{5327E33B-55A3-41C6-A050-F51391AFF51F}" presName="node" presStyleLbl="node1" presStyleIdx="1" presStyleCnt="3">
@@ -1135,10 +1158,24 @@
     <dgm:pt modelId="{DB90BC17-4A6B-422B-973E-42FFD420C6C9}" type="pres">
       <dgm:prSet presAssocID="{50DA3484-FF9B-4228-9474-F8155CAEBDA7}" presName="sibTrans" presStyleLbl="sibTrans2D1" presStyleIdx="1" presStyleCnt="2"/>
       <dgm:spPr/>
+      <dgm:t>
+        <a:bodyPr/>
+        <a:lstStyle/>
+        <a:p>
+          <a:endParaRPr lang="en-US"/>
+        </a:p>
+      </dgm:t>
     </dgm:pt>
     <dgm:pt modelId="{2451F27A-88F3-4F70-91BA-0B0221176FE0}" type="pres">
       <dgm:prSet presAssocID="{50DA3484-FF9B-4228-9474-F8155CAEBDA7}" presName="connectorText" presStyleLbl="sibTrans2D1" presStyleIdx="1" presStyleCnt="2"/>
       <dgm:spPr/>
+      <dgm:t>
+        <a:bodyPr/>
+        <a:lstStyle/>
+        <a:p>
+          <a:endParaRPr lang="en-US"/>
+        </a:p>
+      </dgm:t>
     </dgm:pt>
     <dgm:pt modelId="{FCEB9D9F-0066-4604-A090-08AB129E6BD6}" type="pres">
       <dgm:prSet presAssocID="{D9E66BE3-710E-4D89-9D9E-E3BE9C74A607}" presName="node" presStyleLbl="node1" presStyleIdx="2" presStyleCnt="3">
@@ -1147,6 +1184,13 @@
         </dgm:presLayoutVars>
       </dgm:prSet>
       <dgm:spPr/>
+      <dgm:t>
+        <a:bodyPr/>
+        <a:lstStyle/>
+        <a:p>
+          <a:endParaRPr lang="en-US"/>
+        </a:p>
+      </dgm:t>
     </dgm:pt>
   </dgm:ptLst>
   <dgm:cxnLst>
@@ -2834,7 +2878,7 @@
           <a:p>
             <a:fld id="{40C9EC12-D619-4239-BA0B-F64B757C48A8}" type="datetimeFigureOut">
               <a:rPr lang="bg-BG" smtClean="0"/>
-              <a:t>1.11.2017 г.</a:t>
+              <a:t>10.11.2017 г.</a:t>
             </a:fld>
             <a:endParaRPr lang="bg-BG"/>
           </a:p>
@@ -3272,7 +3316,7 @@
             <a:fld id="{87DE6118-2437-4B30-8E3C-4D2BE6020583}" type="datetimeFigureOut">
               <a:rPr lang="en-US" smtClean="0"/>
               <a:pPr/>
-              <a:t>11/1/2017</a:t>
+              <a:t>11/10/2017</a:t>
             </a:fld>
             <a:endParaRPr lang="en-US" dirty="0"/>
           </a:p>
@@ -3753,7 +3797,7 @@
             <a:fld id="{87DE6118-2437-4B30-8E3C-4D2BE6020583}" type="datetimeFigureOut">
               <a:rPr lang="en-US" smtClean="0"/>
               <a:pPr/>
-              <a:t>11/1/2017</a:t>
+              <a:t>11/10/2017</a:t>
             </a:fld>
             <a:endParaRPr lang="en-US" dirty="0"/>
           </a:p>
@@ -3993,7 +4037,7 @@
           <a:p>
             <a:fld id="{87DE6118-2437-4B30-8E3C-4D2BE6020583}" type="datetimeFigureOut">
               <a:rPr lang="en-US" smtClean="0"/>
-              <a:t>11/1/2017</a:t>
+              <a:t>11/10/2017</a:t>
             </a:fld>
             <a:endParaRPr lang="en-US" dirty="0"/>
           </a:p>
@@ -4173,7 +4217,7 @@
           <a:p>
             <a:fld id="{87DE6118-2437-4B30-8E3C-4D2BE6020583}" type="datetimeFigureOut">
               <a:rPr lang="en-US" smtClean="0"/>
-              <a:t>11/1/2017</a:t>
+              <a:t>11/10/2017</a:t>
             </a:fld>
             <a:endParaRPr lang="en-US" dirty="0"/>
           </a:p>
@@ -4343,7 +4387,7 @@
           <a:p>
             <a:fld id="{87DE6118-2437-4B30-8E3C-4D2BE6020583}" type="datetimeFigureOut">
               <a:rPr lang="en-US" smtClean="0"/>
-              <a:t>11/1/2017</a:t>
+              <a:t>11/10/2017</a:t>
             </a:fld>
             <a:endParaRPr lang="en-US" dirty="0"/>
           </a:p>
@@ -4521,7 +4565,7 @@
             <a:fld id="{87DE6118-2437-4B30-8E3C-4D2BE6020583}" type="datetimeFigureOut">
               <a:rPr lang="en-US" smtClean="0"/>
               <a:pPr/>
-              <a:t>11/1/2017</a:t>
+              <a:t>11/10/2017</a:t>
             </a:fld>
             <a:endParaRPr lang="en-US" dirty="0"/>
           </a:p>
@@ -4852,7 +4896,7 @@
             <a:fld id="{87DE6118-2437-4B30-8E3C-4D2BE6020583}" type="datetimeFigureOut">
               <a:rPr lang="en-US" smtClean="0"/>
               <a:pPr/>
-              <a:t>11/1/2017</a:t>
+              <a:t>11/10/2017</a:t>
             </a:fld>
             <a:endParaRPr lang="en-US" dirty="0"/>
           </a:p>
@@ -5247,7 +5291,7 @@
           <a:p>
             <a:fld id="{87DE6118-2437-4B30-8E3C-4D2BE6020583}" type="datetimeFigureOut">
               <a:rPr lang="en-US" smtClean="0"/>
-              <a:t>11/1/2017</a:t>
+              <a:t>11/10/2017</a:t>
             </a:fld>
             <a:endParaRPr lang="en-US" dirty="0"/>
           </a:p>
@@ -5724,7 +5768,7 @@
           <a:p>
             <a:fld id="{87DE6118-2437-4B30-8E3C-4D2BE6020583}" type="datetimeFigureOut">
               <a:rPr lang="en-US" smtClean="0"/>
-              <a:t>11/1/2017</a:t>
+              <a:t>11/10/2017</a:t>
             </a:fld>
             <a:endParaRPr lang="en-US" dirty="0"/>
           </a:p>
@@ -5842,7 +5886,7 @@
           <a:p>
             <a:fld id="{87DE6118-2437-4B30-8E3C-4D2BE6020583}" type="datetimeFigureOut">
               <a:rPr lang="en-US" smtClean="0"/>
-              <a:t>11/1/2017</a:t>
+              <a:t>11/10/2017</a:t>
             </a:fld>
             <a:endParaRPr lang="en-US" dirty="0"/>
           </a:p>
@@ -5937,7 +5981,7 @@
           <a:p>
             <a:fld id="{87DE6118-2437-4B30-8E3C-4D2BE6020583}" type="datetimeFigureOut">
               <a:rPr lang="en-US" smtClean="0"/>
-              <a:t>11/1/2017</a:t>
+              <a:t>11/10/2017</a:t>
             </a:fld>
             <a:endParaRPr lang="en-US" dirty="0"/>
           </a:p>
@@ -6284,7 +6328,7 @@
             <a:fld id="{87DE6118-2437-4B30-8E3C-4D2BE6020583}" type="datetimeFigureOut">
               <a:rPr lang="en-US" smtClean="0"/>
               <a:pPr/>
-              <a:t>11/1/2017</a:t>
+              <a:t>11/10/2017</a:t>
             </a:fld>
             <a:endParaRPr lang="en-US" dirty="0"/>
           </a:p>
@@ -6564,7 +6608,7 @@
             <a:fld id="{87DE6118-2437-4B30-8E3C-4D2BE6020583}" type="datetimeFigureOut">
               <a:rPr lang="en-US" smtClean="0"/>
               <a:pPr/>
-              <a:t>11/1/2017</a:t>
+              <a:t>11/10/2017</a:t>
             </a:fld>
             <a:endParaRPr lang="en-US" dirty="0"/>
           </a:p>
@@ -7101,17 +7145,7 @@
                   </a:schemeClr>
                 </a:solidFill>
               </a:rPr>
-              <a:t>N-Layer </a:t>
-            </a:r>
-            <a:r>
-              <a:rPr lang="en-US" dirty="0" smtClean="0">
-                <a:solidFill>
-                  <a:schemeClr val="bg1">
-                    <a:lumMod val="50000"/>
-                  </a:schemeClr>
-                </a:solidFill>
-              </a:rPr>
-              <a:t>architecture</a:t>
+              <a:t>N-Layer architecture</a:t>
             </a:r>
             <a:endParaRPr lang="bg-BG" dirty="0">
               <a:solidFill>
@@ -7738,7 +7772,7 @@
               </a:rPr>
             </a:br>
             <a:r>
-              <a:rPr lang="en-US" dirty="0">
+              <a:rPr lang="en-US" sz="3600" dirty="0">
                 <a:solidFill>
                   <a:schemeClr val="tx1"/>
                 </a:solidFill>
@@ -7746,13 +7780,28 @@
               <a:t>Model real-life business objects (such as accounts, loans, itineraries, and </a:t>
             </a:r>
             <a:r>
-              <a:rPr lang="en-US" dirty="0" smtClean="0">
+              <a:rPr lang="en-US" sz="3600" dirty="0" smtClean="0">
                 <a:solidFill>
                   <a:schemeClr val="tx1"/>
                 </a:solidFill>
               </a:rPr>
-              <a:t>inventories.</a:t>
-            </a:r>
+              <a:t>inventories</a:t>
+            </a:r>
+            <a:r>
+              <a:rPr lang="en-US" sz="3600" dirty="0" smtClean="0">
+                <a:solidFill>
+                  <a:schemeClr val="tx1"/>
+                </a:solidFill>
+              </a:rPr>
+              <a:t>.</a:t>
+            </a:r>
+            <a:br>
+              <a:rPr lang="en-US" sz="3600" dirty="0" smtClean="0">
+                <a:solidFill>
+                  <a:schemeClr val="tx1"/>
+                </a:solidFill>
+              </a:rPr>
+            </a:br>
             <a:endParaRPr lang="en-US" sz="3600" dirty="0">
               <a:solidFill>
                 <a:schemeClr val="tx1"/>
@@ -7852,18 +7901,13 @@
               </a:rPr>
             </a:br>
             <a:r>
-              <a:rPr lang="en-US" dirty="0">
+              <a:rPr lang="en-US" sz="3600" dirty="0">
                 <a:solidFill>
                   <a:schemeClr val="tx1"/>
                 </a:solidFill>
               </a:rPr>
               <a:t>Business logic is the portion of an enterprise system which determines how data is transformed or calculated, and how it is routed to people or software (workflow). Business rules are formal expressions of business policy. </a:t>
             </a:r>
-            <a:endParaRPr lang="en-US" sz="3600" dirty="0">
-              <a:solidFill>
-                <a:schemeClr val="tx1"/>
-              </a:solidFill>
-            </a:endParaRPr>
           </a:p>
         </p:txBody>
       </p:sp>
@@ -7958,18 +8002,13 @@
               </a:rPr>
             </a:br>
             <a:r>
-              <a:rPr lang="en-US" dirty="0">
+              <a:rPr lang="en-US" sz="3600" dirty="0">
                 <a:solidFill>
                   <a:schemeClr val="tx1"/>
                 </a:solidFill>
               </a:rPr>
               <a:t>Anything that is a process or procedure is business logic, and anything that is neither a process nor a procedure is a business rule.</a:t>
             </a:r>
-            <a:endParaRPr lang="en-US" sz="3600" dirty="0">
-              <a:solidFill>
-                <a:schemeClr val="tx1"/>
-              </a:solidFill>
-            </a:endParaRPr>
           </a:p>
         </p:txBody>
       </p:sp>
@@ -8962,7 +9001,7 @@
       </p:grpSpPr>
       <p:sp>
         <p:nvSpPr>
-          <p:cNvPr id="2" name="Title 1"/>
+          <p:cNvPr id="4" name="Title 3"/>
           <p:cNvSpPr>
             <a:spLocks noGrp="1"/>
           </p:cNvSpPr>
@@ -8972,10 +9011,62 @@
         </p:nvSpPr>
         <p:spPr/>
         <p:txBody>
-          <a:bodyPr/>
+          <a:bodyPr anchor="ctr">
+            <a:normAutofit fontScale="90000"/>
+          </a:bodyPr>
           <a:lstStyle/>
           <a:p>
-            <a:endParaRPr lang="en-US"/>
+            <a:r>
+              <a:rPr lang="en-US" u="sng" dirty="0" smtClean="0">
+                <a:solidFill>
+                  <a:srgbClr val="0070C0"/>
+                </a:solidFill>
+              </a:rPr>
+              <a:t/>
+            </a:r>
+            <a:br>
+              <a:rPr lang="en-US" u="sng" dirty="0" smtClean="0">
+                <a:solidFill>
+                  <a:srgbClr val="0070C0"/>
+                </a:solidFill>
+              </a:rPr>
+            </a:br>
+            <a:r>
+              <a:rPr lang="en-US" u="sng" dirty="0">
+                <a:solidFill>
+                  <a:srgbClr val="0070C0"/>
+                </a:solidFill>
+              </a:rPr>
+              <a:t/>
+            </a:r>
+            <a:br>
+              <a:rPr lang="en-US" u="sng" dirty="0">
+                <a:solidFill>
+                  <a:srgbClr val="0070C0"/>
+                </a:solidFill>
+              </a:rPr>
+            </a:br>
+            <a:r>
+              <a:rPr lang="en-US" u="sng" dirty="0">
+                <a:solidFill>
+                  <a:srgbClr val="0070C0"/>
+                </a:solidFill>
+              </a:rPr>
+              <a:t>Benefits of using n-layer</a:t>
+            </a:r>
+            <a:r>
+              <a:rPr lang="en-US" u="sng" dirty="0" smtClean="0">
+                <a:solidFill>
+                  <a:srgbClr val="0070C0"/>
+                </a:solidFill>
+              </a:rPr>
+              <a:t>:</a:t>
+            </a:r>
+            <a:endParaRPr lang="en-US" sz="3600" dirty="0">
+              <a:solidFill>
+                <a:schemeClr val="tx1"/>
+              </a:solidFill>
+            </a:endParaRPr>
           </a:p>
         </p:txBody>
       </p:sp>
@@ -8989,25 +9080,102 @@
             <p:ph idx="1"/>
           </p:nvPr>
         </p:nvSpPr>
-        <p:spPr/>
-        <p:txBody>
-          <a:bodyPr/>
+        <p:spPr>
+          <a:xfrm>
+            <a:off x="1371600" y="2743200"/>
+            <a:ext cx="9601200" cy="3124200"/>
+          </a:xfrm>
+        </p:spPr>
+        <p:txBody>
+          <a:bodyPr>
+            <a:normAutofit/>
+          </a:bodyPr>
           <a:lstStyle/>
           <a:p>
-            <a:endParaRPr lang="en-US"/>
+            <a:r>
+              <a:rPr lang="en-US" sz="3600" dirty="0">
+                <a:solidFill>
+                  <a:prstClr val="black"/>
+                </a:solidFill>
+                <a:ea typeface="+mj-ea"/>
+                <a:cs typeface="+mj-cs"/>
+              </a:rPr>
+              <a:t>Secure</a:t>
+            </a:r>
+            <a:endParaRPr lang="en-US" sz="3600" dirty="0" smtClean="0">
+              <a:solidFill>
+                <a:prstClr val="black"/>
+              </a:solidFill>
+              <a:ea typeface="+mj-ea"/>
+              <a:cs typeface="+mj-cs"/>
+            </a:endParaRPr>
+          </a:p>
+          <a:p>
+            <a:r>
+              <a:rPr lang="en-US" sz="3600" dirty="0">
+                <a:solidFill>
+                  <a:prstClr val="black"/>
+                </a:solidFill>
+                <a:ea typeface="+mj-ea"/>
+                <a:cs typeface="+mj-cs"/>
+              </a:rPr>
+              <a:t>Easy to </a:t>
+            </a:r>
+            <a:r>
+              <a:rPr lang="en-US" sz="3600" dirty="0" smtClean="0">
+                <a:solidFill>
+                  <a:prstClr val="black"/>
+                </a:solidFill>
+                <a:ea typeface="+mj-ea"/>
+                <a:cs typeface="+mj-cs"/>
+              </a:rPr>
+              <a:t>manage</a:t>
+            </a:r>
+          </a:p>
+          <a:p>
+            <a:r>
+              <a:rPr lang="en-US" sz="3600" dirty="0" smtClean="0">
+                <a:solidFill>
+                  <a:prstClr val="black"/>
+                </a:solidFill>
+                <a:ea typeface="+mj-ea"/>
+                <a:cs typeface="+mj-cs"/>
+              </a:rPr>
+              <a:t>Scalable</a:t>
+            </a:r>
+          </a:p>
+          <a:p>
+            <a:r>
+              <a:rPr lang="en-US" sz="3600" dirty="0">
+                <a:solidFill>
+                  <a:prstClr val="black"/>
+                </a:solidFill>
+                <a:ea typeface="+mj-ea"/>
+                <a:cs typeface="+mj-cs"/>
+              </a:rPr>
+              <a:t>Flexible</a:t>
+            </a:r>
+            <a:endParaRPr lang="en-US" sz="3600" dirty="0"/>
           </a:p>
         </p:txBody>
       </p:sp>
     </p:spTree>
     <p:extLst>
       <p:ext uri="{BB962C8B-B14F-4D97-AF65-F5344CB8AC3E}">
-        <p14:creationId xmlns:p14="http://schemas.microsoft.com/office/powerpoint/2010/main" val="3444014546"/>
+        <p14:creationId xmlns:p14="http://schemas.microsoft.com/office/powerpoint/2010/main" val="1775970264"/>
       </p:ext>
     </p:extLst>
   </p:cSld>
   <p:clrMapOvr>
     <a:masterClrMapping/>
   </p:clrMapOvr>
+  <p:timing>
+    <p:tnLst>
+      <p:par>
+        <p:cTn id="1" dur="indefinite" restart="never" nodeType="tmRoot"/>
+      </p:par>
+    </p:tnLst>
+  </p:timing>
 </p:sld>
 </file>
 
@@ -9030,7 +9198,7 @@
       </p:grpSpPr>
       <p:sp>
         <p:nvSpPr>
-          <p:cNvPr id="5" name="Title 4"/>
+          <p:cNvPr id="4" name="Title 3"/>
           <p:cNvSpPr>
             <a:spLocks noGrp="1"/>
           </p:cNvSpPr>
@@ -9038,663 +9206,105 @@
             <p:ph type="title"/>
           </p:nvPr>
         </p:nvSpPr>
-        <p:spPr/>
-        <p:txBody>
-          <a:bodyPr>
-            <a:normAutofit fontScale="90000"/>
+        <p:spPr>
+          <a:xfrm>
+            <a:off x="1371600" y="685800"/>
+            <a:ext cx="9601200" cy="5446060"/>
+          </a:xfrm>
+        </p:spPr>
+        <p:txBody>
+          <a:bodyPr anchor="ctr">
+            <a:normAutofit/>
           </a:bodyPr>
           <a:lstStyle/>
           <a:p>
             <a:r>
-              <a:rPr lang="en-US" sz="2400" dirty="0">
-                <a:solidFill>
-                  <a:srgbClr val="C586C0"/>
-                </a:solidFill>
-                <a:latin typeface="Consolas" panose="020B0609020204030204" pitchFamily="49" charset="0"/>
-              </a:rPr>
-              <a:t>import</a:t>
-            </a:r>
-            <a:r>
-              <a:rPr lang="en-US" sz="2400" dirty="0">
-                <a:solidFill>
-                  <a:srgbClr val="D4D4D4"/>
-                </a:solidFill>
-                <a:latin typeface="Consolas" panose="020B0609020204030204" pitchFamily="49" charset="0"/>
-              </a:rPr>
-              <a:t> {</a:t>
-            </a:r>
-            <a:r>
-              <a:rPr lang="en-US" sz="2400" dirty="0">
-                <a:solidFill>
-                  <a:srgbClr val="9CDCFE"/>
-                </a:solidFill>
-                <a:latin typeface="Consolas" panose="020B0609020204030204" pitchFamily="49" charset="0"/>
-              </a:rPr>
-              <a:t>Component</a:t>
-            </a:r>
-            <a:r>
-              <a:rPr lang="en-US" sz="2400" dirty="0">
-                <a:solidFill>
-                  <a:srgbClr val="D4D4D4"/>
-                </a:solidFill>
-                <a:latin typeface="Consolas" panose="020B0609020204030204" pitchFamily="49" charset="0"/>
-              </a:rPr>
-              <a:t>} </a:t>
-            </a:r>
-            <a:r>
-              <a:rPr lang="en-US" sz="2400" dirty="0">
-                <a:solidFill>
-                  <a:srgbClr val="C586C0"/>
-                </a:solidFill>
-                <a:latin typeface="Consolas" panose="020B0609020204030204" pitchFamily="49" charset="0"/>
-              </a:rPr>
-              <a:t>from</a:t>
-            </a:r>
-            <a:r>
-              <a:rPr lang="en-US" sz="2400" dirty="0">
-                <a:solidFill>
-                  <a:srgbClr val="D4D4D4"/>
-                </a:solidFill>
-                <a:latin typeface="Consolas" panose="020B0609020204030204" pitchFamily="49" charset="0"/>
-              </a:rPr>
-              <a:t> </a:t>
-            </a:r>
-            <a:r>
-              <a:rPr lang="en-US" sz="2400" dirty="0">
-                <a:solidFill>
-                  <a:srgbClr val="CE9178"/>
-                </a:solidFill>
-                <a:latin typeface="Consolas" panose="020B0609020204030204" pitchFamily="49" charset="0"/>
-              </a:rPr>
-              <a:t>'@angular/core'</a:t>
-            </a:r>
-            <a:r>
-              <a:rPr lang="en-US" sz="2400" dirty="0">
-                <a:solidFill>
-                  <a:srgbClr val="D4D4D4"/>
-                </a:solidFill>
-                <a:latin typeface="Consolas" panose="020B0609020204030204" pitchFamily="49" charset="0"/>
-              </a:rPr>
-              <a:t>;</a:t>
+              <a:rPr lang="en-US" u="sng" dirty="0">
+                <a:solidFill>
+                  <a:srgbClr val="0070C0"/>
+                </a:solidFill>
+              </a:rPr>
+              <a:t>More efficient </a:t>
+            </a:r>
+            <a:r>
+              <a:rPr lang="en-US" u="sng" dirty="0" smtClean="0">
+                <a:solidFill>
+                  <a:srgbClr val="0070C0"/>
+                </a:solidFill>
+              </a:rPr>
+              <a:t>development</a:t>
+            </a:r>
+            <a:r>
+              <a:rPr lang="en-US" dirty="0" smtClean="0">
+                <a:solidFill>
+                  <a:schemeClr val="tx1"/>
+                </a:solidFill>
+              </a:rPr>
+              <a:t/>
             </a:r>
             <a:br>
-              <a:rPr lang="en-US" sz="2400" dirty="0">
-                <a:solidFill>
-                  <a:srgbClr val="D4D4D4"/>
-                </a:solidFill>
-                <a:latin typeface="Consolas" panose="020B0609020204030204" pitchFamily="49" charset="0"/>
+              <a:rPr lang="en-US" dirty="0" smtClean="0">
+                <a:solidFill>
+                  <a:schemeClr val="tx1"/>
+                </a:solidFill>
               </a:rPr>
             </a:br>
             <a:r>
-              <a:rPr lang="en-US" sz="2400" dirty="0">
-                <a:solidFill>
-                  <a:srgbClr val="D4D4D4"/>
-                </a:solidFill>
-                <a:latin typeface="Consolas" panose="020B0609020204030204" pitchFamily="49" charset="0"/>
+              <a:rPr lang="en-US" dirty="0" smtClean="0">
+                <a:solidFill>
+                  <a:schemeClr val="tx1"/>
+                </a:solidFill>
               </a:rPr>
               <a:t/>
             </a:r>
             <a:br>
-              <a:rPr lang="en-US" sz="2400" dirty="0">
-                <a:solidFill>
-                  <a:srgbClr val="D4D4D4"/>
-                </a:solidFill>
-                <a:latin typeface="Consolas" panose="020B0609020204030204" pitchFamily="49" charset="0"/>
+              <a:rPr lang="en-US" dirty="0" smtClean="0">
+                <a:solidFill>
+                  <a:schemeClr val="tx1"/>
+                </a:solidFill>
               </a:rPr>
             </a:br>
             <a:r>
-              <a:rPr lang="en-US" sz="2400" dirty="0">
-                <a:solidFill>
-                  <a:srgbClr val="C586C0"/>
-                </a:solidFill>
-                <a:latin typeface="Consolas" panose="020B0609020204030204" pitchFamily="49" charset="0"/>
-              </a:rPr>
-              <a:t>import</a:t>
-            </a:r>
-            <a:r>
-              <a:rPr lang="en-US" sz="2400" dirty="0">
-                <a:solidFill>
-                  <a:srgbClr val="D4D4D4"/>
-                </a:solidFill>
-                <a:latin typeface="Consolas" panose="020B0609020204030204" pitchFamily="49" charset="0"/>
-              </a:rPr>
-              <a:t> {</a:t>
-            </a:r>
-            <a:r>
-              <a:rPr lang="en-US" sz="2400" dirty="0">
-                <a:solidFill>
-                  <a:srgbClr val="9CDCFE"/>
-                </a:solidFill>
-                <a:latin typeface="Consolas" panose="020B0609020204030204" pitchFamily="49" charset="0"/>
-              </a:rPr>
-              <a:t>Vehicle</a:t>
-            </a:r>
-            <a:r>
-              <a:rPr lang="en-US" sz="2400" dirty="0">
-                <a:solidFill>
-                  <a:srgbClr val="D4D4D4"/>
-                </a:solidFill>
-                <a:latin typeface="Consolas" panose="020B0609020204030204" pitchFamily="49" charset="0"/>
-              </a:rPr>
-              <a:t>} </a:t>
-            </a:r>
-            <a:r>
-              <a:rPr lang="en-US" sz="2400" dirty="0">
-                <a:solidFill>
-                  <a:srgbClr val="C586C0"/>
-                </a:solidFill>
-                <a:latin typeface="Consolas" panose="020B0609020204030204" pitchFamily="49" charset="0"/>
-              </a:rPr>
-              <a:t>from</a:t>
-            </a:r>
-            <a:r>
-              <a:rPr lang="en-US" sz="2400" dirty="0">
-                <a:solidFill>
-                  <a:srgbClr val="D4D4D4"/>
-                </a:solidFill>
-                <a:latin typeface="Consolas" panose="020B0609020204030204" pitchFamily="49" charset="0"/>
-              </a:rPr>
-              <a:t> </a:t>
-            </a:r>
-            <a:r>
-              <a:rPr lang="en-US" sz="2400" dirty="0">
-                <a:solidFill>
-                  <a:srgbClr val="CE9178"/>
-                </a:solidFill>
-                <a:latin typeface="Consolas" panose="020B0609020204030204" pitchFamily="49" charset="0"/>
-              </a:rPr>
-              <a:t>'./</a:t>
-            </a:r>
-            <a:r>
-              <a:rPr lang="en-US" sz="2400" dirty="0" err="1">
-                <a:solidFill>
-                  <a:srgbClr val="CE9178"/>
-                </a:solidFill>
-                <a:latin typeface="Consolas" panose="020B0609020204030204" pitchFamily="49" charset="0"/>
-              </a:rPr>
-              <a:t>vehicle.service</a:t>
-            </a:r>
-            <a:r>
-              <a:rPr lang="en-US" sz="2400" dirty="0">
-                <a:solidFill>
-                  <a:srgbClr val="CE9178"/>
-                </a:solidFill>
-                <a:latin typeface="Consolas" panose="020B0609020204030204" pitchFamily="49" charset="0"/>
-              </a:rPr>
-              <a:t>'</a:t>
-            </a:r>
-            <a:r>
-              <a:rPr lang="en-US" sz="2400" dirty="0">
-                <a:solidFill>
-                  <a:srgbClr val="D4D4D4"/>
-                </a:solidFill>
-                <a:latin typeface="Consolas" panose="020B0609020204030204" pitchFamily="49" charset="0"/>
-              </a:rPr>
-              <a:t>;</a:t>
-            </a:r>
-            <a:br>
-              <a:rPr lang="en-US" sz="2400" dirty="0">
-                <a:solidFill>
-                  <a:srgbClr val="D4D4D4"/>
-                </a:solidFill>
-                <a:latin typeface="Consolas" panose="020B0609020204030204" pitchFamily="49" charset="0"/>
-              </a:rPr>
-            </a:br>
-            <a:r>
-              <a:rPr lang="en-US" sz="2400" dirty="0">
-                <a:solidFill>
-                  <a:srgbClr val="D4D4D4"/>
-                </a:solidFill>
-                <a:latin typeface="Consolas" panose="020B0609020204030204" pitchFamily="49" charset="0"/>
-              </a:rPr>
-              <a:t/>
-            </a:r>
-            <a:br>
-              <a:rPr lang="en-US" sz="2400" dirty="0">
-                <a:solidFill>
-                  <a:srgbClr val="D4D4D4"/>
-                </a:solidFill>
-                <a:latin typeface="Consolas" panose="020B0609020204030204" pitchFamily="49" charset="0"/>
-              </a:rPr>
-            </a:br>
-            <a:r>
-              <a:rPr lang="en-US" sz="2400" dirty="0">
-                <a:solidFill>
-                  <a:srgbClr val="D4D4D4"/>
-                </a:solidFill>
-                <a:latin typeface="Consolas" panose="020B0609020204030204" pitchFamily="49" charset="0"/>
-              </a:rPr>
-              <a:t>@</a:t>
-            </a:r>
-            <a:r>
-              <a:rPr lang="en-US" sz="2400" dirty="0">
-                <a:solidFill>
-                  <a:srgbClr val="DCDCAA"/>
-                </a:solidFill>
-                <a:latin typeface="Consolas" panose="020B0609020204030204" pitchFamily="49" charset="0"/>
-              </a:rPr>
-              <a:t>Component</a:t>
-            </a:r>
-            <a:r>
-              <a:rPr lang="en-US" sz="2400" dirty="0">
-                <a:solidFill>
-                  <a:srgbClr val="D4D4D4"/>
-                </a:solidFill>
-                <a:latin typeface="Consolas" panose="020B0609020204030204" pitchFamily="49" charset="0"/>
-              </a:rPr>
-              <a:t>({</a:t>
-            </a:r>
-            <a:br>
-              <a:rPr lang="en-US" sz="2400" dirty="0">
-                <a:solidFill>
-                  <a:srgbClr val="D4D4D4"/>
-                </a:solidFill>
-                <a:latin typeface="Consolas" panose="020B0609020204030204" pitchFamily="49" charset="0"/>
-              </a:rPr>
-            </a:br>
-            <a:r>
-              <a:rPr lang="en-US" sz="2400" dirty="0">
-                <a:solidFill>
-                  <a:srgbClr val="D4D4D4"/>
-                </a:solidFill>
-                <a:latin typeface="Consolas" panose="020B0609020204030204" pitchFamily="49" charset="0"/>
-              </a:rPr>
-              <a:t>    </a:t>
-            </a:r>
-            <a:r>
-              <a:rPr lang="en-US" sz="2400" dirty="0" err="1">
-                <a:solidFill>
-                  <a:srgbClr val="9CDCFE"/>
-                </a:solidFill>
-                <a:latin typeface="Consolas" panose="020B0609020204030204" pitchFamily="49" charset="0"/>
-              </a:rPr>
-              <a:t>moduleId</a:t>
-            </a:r>
-            <a:r>
-              <a:rPr lang="en-US" sz="2400" dirty="0">
-                <a:solidFill>
-                  <a:srgbClr val="9CDCFE"/>
-                </a:solidFill>
-                <a:latin typeface="Consolas" panose="020B0609020204030204" pitchFamily="49" charset="0"/>
-              </a:rPr>
-              <a:t>:</a:t>
-            </a:r>
-            <a:r>
-              <a:rPr lang="en-US" sz="2400" dirty="0">
-                <a:solidFill>
-                  <a:srgbClr val="D4D4D4"/>
-                </a:solidFill>
-                <a:latin typeface="Consolas" panose="020B0609020204030204" pitchFamily="49" charset="0"/>
-              </a:rPr>
-              <a:t> </a:t>
-            </a:r>
-            <a:r>
-              <a:rPr lang="en-US" sz="2400" dirty="0">
-                <a:solidFill>
-                  <a:srgbClr val="4EC9B0"/>
-                </a:solidFill>
-                <a:latin typeface="Consolas" panose="020B0609020204030204" pitchFamily="49" charset="0"/>
-              </a:rPr>
-              <a:t>module</a:t>
-            </a:r>
-            <a:r>
-              <a:rPr lang="en-US" sz="2400" dirty="0">
-                <a:solidFill>
-                  <a:srgbClr val="D4D4D4"/>
-                </a:solidFill>
-                <a:latin typeface="Consolas" panose="020B0609020204030204" pitchFamily="49" charset="0"/>
+              <a:rPr lang="en-US" sz="4000" dirty="0">
+                <a:solidFill>
+                  <a:schemeClr val="tx1"/>
+                </a:solidFill>
+              </a:rPr>
+              <a:t>N-tier architecture is very friendly for development, as different teams may work on each tier.  This way, you can be sure the design and presentation professionals work on the presentation tier and the database experts work on the data tier</a:t>
+            </a:r>
+            <a:r>
+              <a:rPr lang="en-US" sz="4000" dirty="0" smtClean="0">
+                <a:solidFill>
+                  <a:schemeClr val="tx1"/>
+                </a:solidFill>
               </a:rPr>
               <a:t>.</a:t>
             </a:r>
-            <a:r>
-              <a:rPr lang="en-US" sz="2400" dirty="0">
-                <a:solidFill>
-                  <a:srgbClr val="4EC9B0"/>
-                </a:solidFill>
-                <a:latin typeface="Consolas" panose="020B0609020204030204" pitchFamily="49" charset="0"/>
-              </a:rPr>
-              <a:t>id</a:t>
-            </a:r>
-            <a:r>
-              <a:rPr lang="en-US" sz="2400" dirty="0">
-                <a:solidFill>
-                  <a:srgbClr val="D4D4D4"/>
-                </a:solidFill>
-                <a:latin typeface="Consolas" panose="020B0609020204030204" pitchFamily="49" charset="0"/>
-              </a:rPr>
-              <a:t>,</a:t>
-            </a:r>
-            <a:br>
-              <a:rPr lang="en-US" sz="2400" dirty="0">
-                <a:solidFill>
-                  <a:srgbClr val="D4D4D4"/>
-                </a:solidFill>
-                <a:latin typeface="Consolas" panose="020B0609020204030204" pitchFamily="49" charset="0"/>
-              </a:rPr>
-            </a:br>
-            <a:r>
-              <a:rPr lang="en-US" sz="2400" dirty="0">
-                <a:solidFill>
-                  <a:srgbClr val="D4D4D4"/>
-                </a:solidFill>
-                <a:latin typeface="Consolas" panose="020B0609020204030204" pitchFamily="49" charset="0"/>
-              </a:rPr>
-              <a:t>    </a:t>
-            </a:r>
-            <a:r>
-              <a:rPr lang="en-US" sz="2400" dirty="0">
-                <a:solidFill>
-                  <a:srgbClr val="9CDCFE"/>
-                </a:solidFill>
-                <a:latin typeface="Consolas" panose="020B0609020204030204" pitchFamily="49" charset="0"/>
-              </a:rPr>
-              <a:t>selector:</a:t>
-            </a:r>
-            <a:r>
-              <a:rPr lang="en-US" sz="2400" dirty="0">
-                <a:solidFill>
-                  <a:srgbClr val="D4D4D4"/>
-                </a:solidFill>
-                <a:latin typeface="Consolas" panose="020B0609020204030204" pitchFamily="49" charset="0"/>
-              </a:rPr>
-              <a:t> </a:t>
-            </a:r>
-            <a:r>
-              <a:rPr lang="en-US" sz="2400" dirty="0">
-                <a:solidFill>
-                  <a:srgbClr val="CE9178"/>
-                </a:solidFill>
-                <a:latin typeface="Consolas" panose="020B0609020204030204" pitchFamily="49" charset="0"/>
-              </a:rPr>
-              <a:t>'story-vehicles'</a:t>
-            </a:r>
-            <a:r>
-              <a:rPr lang="en-US" sz="2400" dirty="0">
-                <a:solidFill>
-                  <a:srgbClr val="D4D4D4"/>
-                </a:solidFill>
-                <a:latin typeface="Consolas" panose="020B0609020204030204" pitchFamily="49" charset="0"/>
-              </a:rPr>
-              <a:t>,</a:t>
-            </a:r>
-            <a:br>
-              <a:rPr lang="en-US" sz="2400" dirty="0">
-                <a:solidFill>
-                  <a:srgbClr val="D4D4D4"/>
-                </a:solidFill>
-                <a:latin typeface="Consolas" panose="020B0609020204030204" pitchFamily="49" charset="0"/>
-              </a:rPr>
-            </a:br>
-            <a:r>
-              <a:rPr lang="en-US" sz="2400" dirty="0">
-                <a:solidFill>
-                  <a:srgbClr val="D4D4D4"/>
-                </a:solidFill>
-                <a:latin typeface="Consolas" panose="020B0609020204030204" pitchFamily="49" charset="0"/>
-              </a:rPr>
-              <a:t>    </a:t>
-            </a:r>
-            <a:r>
-              <a:rPr lang="en-US" sz="2400" dirty="0" err="1">
-                <a:solidFill>
-                  <a:srgbClr val="9CDCFE"/>
-                </a:solidFill>
-                <a:latin typeface="Consolas" panose="020B0609020204030204" pitchFamily="49" charset="0"/>
-              </a:rPr>
-              <a:t>templateUrl</a:t>
-            </a:r>
-            <a:r>
-              <a:rPr lang="en-US" sz="2400" dirty="0">
-                <a:solidFill>
-                  <a:srgbClr val="9CDCFE"/>
-                </a:solidFill>
-                <a:latin typeface="Consolas" panose="020B0609020204030204" pitchFamily="49" charset="0"/>
-              </a:rPr>
-              <a:t>:</a:t>
-            </a:r>
-            <a:r>
-              <a:rPr lang="en-US" sz="2400" dirty="0">
-                <a:solidFill>
-                  <a:srgbClr val="D4D4D4"/>
-                </a:solidFill>
-                <a:latin typeface="Consolas" panose="020B0609020204030204" pitchFamily="49" charset="0"/>
-              </a:rPr>
-              <a:t> </a:t>
-            </a:r>
-            <a:r>
-              <a:rPr lang="en-US" sz="2400" dirty="0">
-                <a:solidFill>
-                  <a:srgbClr val="CE9178"/>
-                </a:solidFill>
-                <a:latin typeface="Consolas" panose="020B0609020204030204" pitchFamily="49" charset="0"/>
-              </a:rPr>
-              <a:t>'vehicles.component.html'</a:t>
-            </a:r>
-            <a:r>
-              <a:rPr lang="en-US" sz="2400" dirty="0">
-                <a:solidFill>
-                  <a:srgbClr val="D4D4D4"/>
-                </a:solidFill>
-                <a:latin typeface="Consolas" panose="020B0609020204030204" pitchFamily="49" charset="0"/>
-              </a:rPr>
-              <a:t/>
-            </a:r>
-            <a:br>
-              <a:rPr lang="en-US" sz="2400" dirty="0">
-                <a:solidFill>
-                  <a:srgbClr val="D4D4D4"/>
-                </a:solidFill>
-                <a:latin typeface="Consolas" panose="020B0609020204030204" pitchFamily="49" charset="0"/>
-              </a:rPr>
-            </a:br>
-            <a:r>
-              <a:rPr lang="en-US" sz="2400" dirty="0">
-                <a:solidFill>
-                  <a:srgbClr val="D4D4D4"/>
-                </a:solidFill>
-                <a:latin typeface="Consolas" panose="020B0609020204030204" pitchFamily="49" charset="0"/>
-              </a:rPr>
-              <a:t>})</a:t>
-            </a:r>
-            <a:br>
-              <a:rPr lang="en-US" sz="2400" dirty="0">
-                <a:solidFill>
-                  <a:srgbClr val="D4D4D4"/>
-                </a:solidFill>
-                <a:latin typeface="Consolas" panose="020B0609020204030204" pitchFamily="49" charset="0"/>
-              </a:rPr>
-            </a:br>
-            <a:r>
-              <a:rPr lang="en-US" sz="2400" dirty="0">
-                <a:solidFill>
-                  <a:srgbClr val="D4D4D4"/>
-                </a:solidFill>
-                <a:latin typeface="Consolas" panose="020B0609020204030204" pitchFamily="49" charset="0"/>
-              </a:rPr>
-              <a:t/>
-            </a:r>
-            <a:br>
-              <a:rPr lang="en-US" sz="2400" dirty="0">
-                <a:solidFill>
-                  <a:srgbClr val="D4D4D4"/>
-                </a:solidFill>
-                <a:latin typeface="Consolas" panose="020B0609020204030204" pitchFamily="49" charset="0"/>
-              </a:rPr>
-            </a:br>
-            <a:r>
-              <a:rPr lang="en-US" sz="2400" dirty="0">
-                <a:solidFill>
-                  <a:srgbClr val="C586C0"/>
-                </a:solidFill>
-                <a:latin typeface="Consolas" panose="020B0609020204030204" pitchFamily="49" charset="0"/>
-              </a:rPr>
-              <a:t>export</a:t>
-            </a:r>
-            <a:r>
-              <a:rPr lang="en-US" sz="2400" dirty="0">
-                <a:solidFill>
-                  <a:srgbClr val="D4D4D4"/>
-                </a:solidFill>
-                <a:latin typeface="Consolas" panose="020B0609020204030204" pitchFamily="49" charset="0"/>
-              </a:rPr>
-              <a:t> </a:t>
-            </a:r>
-            <a:r>
-              <a:rPr lang="en-US" sz="2400" dirty="0">
-                <a:solidFill>
-                  <a:srgbClr val="569CD6"/>
-                </a:solidFill>
-                <a:latin typeface="Consolas" panose="020B0609020204030204" pitchFamily="49" charset="0"/>
-              </a:rPr>
-              <a:t>class</a:t>
-            </a:r>
-            <a:r>
-              <a:rPr lang="en-US" sz="2400" dirty="0">
-                <a:solidFill>
-                  <a:srgbClr val="D4D4D4"/>
-                </a:solidFill>
-                <a:latin typeface="Consolas" panose="020B0609020204030204" pitchFamily="49" charset="0"/>
-              </a:rPr>
-              <a:t> </a:t>
-            </a:r>
-            <a:r>
-              <a:rPr lang="en-US" sz="2400" dirty="0" err="1">
-                <a:solidFill>
-                  <a:srgbClr val="4EC9B0"/>
-                </a:solidFill>
-                <a:latin typeface="Consolas" panose="020B0609020204030204" pitchFamily="49" charset="0"/>
-              </a:rPr>
-              <a:t>VehicleListComponent</a:t>
-            </a:r>
-            <a:r>
-              <a:rPr lang="en-US" sz="2400" dirty="0">
-                <a:solidFill>
-                  <a:srgbClr val="D4D4D4"/>
-                </a:solidFill>
-                <a:latin typeface="Consolas" panose="020B0609020204030204" pitchFamily="49" charset="0"/>
-              </a:rPr>
-              <a:t> {</a:t>
-            </a:r>
-            <a:br>
-              <a:rPr lang="en-US" sz="2400" dirty="0">
-                <a:solidFill>
-                  <a:srgbClr val="D4D4D4"/>
-                </a:solidFill>
-                <a:latin typeface="Consolas" panose="020B0609020204030204" pitchFamily="49" charset="0"/>
-              </a:rPr>
-            </a:br>
-            <a:r>
-              <a:rPr lang="en-US" sz="2400" dirty="0">
-                <a:solidFill>
-                  <a:srgbClr val="D4D4D4"/>
-                </a:solidFill>
-                <a:latin typeface="Consolas" panose="020B0609020204030204" pitchFamily="49" charset="0"/>
-              </a:rPr>
-              <a:t>    </a:t>
-            </a:r>
-            <a:r>
-              <a:rPr lang="en-US" sz="2400" dirty="0">
-                <a:solidFill>
-                  <a:srgbClr val="9CDCFE"/>
-                </a:solidFill>
-                <a:latin typeface="Consolas" panose="020B0609020204030204" pitchFamily="49" charset="0"/>
-              </a:rPr>
-              <a:t>vehicles</a:t>
-            </a:r>
-            <a:r>
-              <a:rPr lang="en-US" sz="2400" dirty="0">
-                <a:solidFill>
-                  <a:srgbClr val="D4D4D4"/>
-                </a:solidFill>
-                <a:latin typeface="Consolas" panose="020B0609020204030204" pitchFamily="49" charset="0"/>
-              </a:rPr>
-              <a:t>: </a:t>
-            </a:r>
-            <a:r>
-              <a:rPr lang="en-US" sz="2400" dirty="0">
-                <a:solidFill>
-                  <a:srgbClr val="4EC9B0"/>
-                </a:solidFill>
-                <a:latin typeface="Consolas" panose="020B0609020204030204" pitchFamily="49" charset="0"/>
-              </a:rPr>
-              <a:t>Vehicle</a:t>
-            </a:r>
-            <a:r>
-              <a:rPr lang="en-US" sz="2400" dirty="0">
-                <a:solidFill>
-                  <a:srgbClr val="D4D4D4"/>
-                </a:solidFill>
-                <a:latin typeface="Consolas" panose="020B0609020204030204" pitchFamily="49" charset="0"/>
-              </a:rPr>
-              <a:t>[];</a:t>
-            </a:r>
-            <a:br>
-              <a:rPr lang="en-US" sz="2400" dirty="0">
-                <a:solidFill>
-                  <a:srgbClr val="D4D4D4"/>
-                </a:solidFill>
-                <a:latin typeface="Consolas" panose="020B0609020204030204" pitchFamily="49" charset="0"/>
-              </a:rPr>
-            </a:br>
-            <a:r>
-              <a:rPr lang="en-US" sz="2400" dirty="0">
-                <a:solidFill>
-                  <a:srgbClr val="D4D4D4"/>
-                </a:solidFill>
-                <a:latin typeface="Consolas" panose="020B0609020204030204" pitchFamily="49" charset="0"/>
-              </a:rPr>
-              <a:t>}</a:t>
-            </a:r>
-            <a:endParaRPr lang="en-US" sz="2400" b="0" dirty="0">
+            <a:endParaRPr lang="en-US" sz="4000" dirty="0">
               <a:solidFill>
-                <a:srgbClr val="D4D4D4"/>
+                <a:schemeClr val="tx1"/>
               </a:solidFill>
-              <a:effectLst/>
-              <a:latin typeface="Consolas" panose="020B0609020204030204" pitchFamily="49" charset="0"/>
             </a:endParaRPr>
-          </a:p>
-        </p:txBody>
-      </p:sp>
-      <p:sp>
-        <p:nvSpPr>
-          <p:cNvPr id="6" name="Text Placeholder 5"/>
-          <p:cNvSpPr>
-            <a:spLocks noGrp="1"/>
-          </p:cNvSpPr>
-          <p:nvPr>
-            <p:ph type="body" sz="quarter" idx="13"/>
-          </p:nvPr>
-        </p:nvSpPr>
-        <p:spPr>
-          <a:xfrm>
-            <a:off x="734291" y="5234187"/>
-            <a:ext cx="4677967" cy="574962"/>
-          </a:xfrm>
-        </p:spPr>
-        <p:txBody>
-          <a:bodyPr>
-            <a:noAutofit/>
-          </a:bodyPr>
-          <a:lstStyle/>
-          <a:p>
-            <a:r>
-              <a:rPr lang="en-US" dirty="0"/>
-              <a:t>Anatomy of Component</a:t>
-            </a:r>
-            <a:endParaRPr lang="bg-BG" dirty="0"/>
           </a:p>
         </p:txBody>
       </p:sp>
     </p:spTree>
     <p:extLst>
       <p:ext uri="{BB962C8B-B14F-4D97-AF65-F5344CB8AC3E}">
-        <p14:creationId xmlns:p14="http://schemas.microsoft.com/office/powerpoint/2010/main" val="326217632"/>
+        <p14:creationId xmlns:p14="http://schemas.microsoft.com/office/powerpoint/2010/main" val="663781498"/>
       </p:ext>
     </p:extLst>
   </p:cSld>
   <p:clrMapOvr>
     <a:masterClrMapping/>
   </p:clrMapOvr>
+  <p:timing>
+    <p:tnLst>
+      <p:par>
+        <p:cTn id="1" dur="indefinite" restart="never" nodeType="tmRoot"/>
+      </p:par>
+    </p:tnLst>
+  </p:timing>
 </p:sld>
 </file>
 
@@ -9725,48 +9335,315 @@
             <p:ph type="title"/>
           </p:nvPr>
         </p:nvSpPr>
-        <p:spPr/>
-        <p:txBody>
-          <a:bodyPr/>
+        <p:spPr>
+          <a:xfrm>
+            <a:off x="1371600" y="685800"/>
+            <a:ext cx="9601200" cy="5446060"/>
+          </a:xfrm>
+        </p:spPr>
+        <p:txBody>
+          <a:bodyPr anchor="ctr">
+            <a:normAutofit/>
+          </a:bodyPr>
           <a:lstStyle/>
           <a:p>
             <a:r>
-              <a:rPr lang="en-US" dirty="0"/>
-              <a:t>demo Components</a:t>
-            </a:r>
-            <a:endParaRPr lang="bg-BG" dirty="0"/>
-          </a:p>
-        </p:txBody>
-      </p:sp>
-      <p:sp>
-        <p:nvSpPr>
-          <p:cNvPr id="5" name="Text Placeholder 4"/>
-          <p:cNvSpPr>
-            <a:spLocks noGrp="1"/>
-          </p:cNvSpPr>
-          <p:nvPr>
-            <p:ph type="body" idx="1"/>
-          </p:nvPr>
-        </p:nvSpPr>
-        <p:spPr/>
-        <p:txBody>
-          <a:bodyPr/>
-          <a:lstStyle/>
-          <a:p>
-            <a:endParaRPr lang="bg-BG"/>
+              <a:rPr lang="en-US" u="sng" dirty="0">
+                <a:solidFill>
+                  <a:srgbClr val="0070C0"/>
+                </a:solidFill>
+              </a:rPr>
+              <a:t>Easy to add new features</a:t>
+            </a:r>
+            <a:r>
+              <a:rPr lang="en-US" dirty="0" smtClean="0">
+                <a:solidFill>
+                  <a:schemeClr val="tx1"/>
+                </a:solidFill>
+              </a:rPr>
+              <a:t/>
+            </a:r>
+            <a:br>
+              <a:rPr lang="en-US" dirty="0" smtClean="0">
+                <a:solidFill>
+                  <a:schemeClr val="tx1"/>
+                </a:solidFill>
+              </a:rPr>
+            </a:br>
+            <a:r>
+              <a:rPr lang="en-US" dirty="0" smtClean="0">
+                <a:solidFill>
+                  <a:schemeClr val="tx1"/>
+                </a:solidFill>
+              </a:rPr>
+              <a:t/>
+            </a:r>
+            <a:br>
+              <a:rPr lang="en-US" dirty="0" smtClean="0">
+                <a:solidFill>
+                  <a:schemeClr val="tx1"/>
+                </a:solidFill>
+              </a:rPr>
+            </a:br>
+            <a:r>
+              <a:rPr lang="en-US" sz="3600" dirty="0">
+                <a:solidFill>
+                  <a:schemeClr val="tx1"/>
+                </a:solidFill>
+              </a:rPr>
+              <a:t>If you want to introduce a new feature, you can add it to the appropriate tier without affecting the other tiers.</a:t>
+            </a:r>
+            <a:endParaRPr lang="en-US" sz="3600" dirty="0">
+              <a:solidFill>
+                <a:schemeClr val="tx1"/>
+              </a:solidFill>
+            </a:endParaRPr>
           </a:p>
         </p:txBody>
       </p:sp>
     </p:spTree>
     <p:extLst>
       <p:ext uri="{BB962C8B-B14F-4D97-AF65-F5344CB8AC3E}">
-        <p14:creationId xmlns:p14="http://schemas.microsoft.com/office/powerpoint/2010/main" val="2769662677"/>
+        <p14:creationId xmlns:p14="http://schemas.microsoft.com/office/powerpoint/2010/main" val="1039054712"/>
       </p:ext>
     </p:extLst>
   </p:cSld>
   <p:clrMapOvr>
     <a:masterClrMapping/>
   </p:clrMapOvr>
+  <p:timing>
+    <p:tnLst>
+      <p:par>
+        <p:cTn id="1" dur="indefinite" restart="never" nodeType="tmRoot"/>
+      </p:par>
+    </p:tnLst>
+  </p:timing>
+</p:sld>
+</file>
+
+<file path=ppt/slides/slide24.xml><?xml version="1.0" encoding="utf-8"?>
+<p:sld xmlns:a="http://schemas.openxmlformats.org/drawingml/2006/main" xmlns:r="http://schemas.openxmlformats.org/officeDocument/2006/relationships" xmlns:p="http://schemas.openxmlformats.org/presentationml/2006/main">
+  <p:cSld>
+    <p:spTree>
+      <p:nvGrpSpPr>
+        <p:cNvPr id="1" name=""/>
+        <p:cNvGrpSpPr/>
+        <p:nvPr/>
+      </p:nvGrpSpPr>
+      <p:grpSpPr>
+        <a:xfrm>
+          <a:off x="0" y="0"/>
+          <a:ext cx="0" cy="0"/>
+          <a:chOff x="0" y="0"/>
+          <a:chExt cx="0" cy="0"/>
+        </a:xfrm>
+      </p:grpSpPr>
+      <p:sp>
+        <p:nvSpPr>
+          <p:cNvPr id="4" name="Title 3"/>
+          <p:cNvSpPr>
+            <a:spLocks noGrp="1"/>
+          </p:cNvSpPr>
+          <p:nvPr>
+            <p:ph type="title"/>
+          </p:nvPr>
+        </p:nvSpPr>
+        <p:spPr>
+          <a:xfrm>
+            <a:off x="1371600" y="685800"/>
+            <a:ext cx="9601200" cy="5446060"/>
+          </a:xfrm>
+        </p:spPr>
+        <p:txBody>
+          <a:bodyPr anchor="ctr">
+            <a:normAutofit/>
+          </a:bodyPr>
+          <a:lstStyle/>
+          <a:p>
+            <a:r>
+              <a:rPr lang="en-US" u="sng" dirty="0">
+                <a:solidFill>
+                  <a:srgbClr val="0070C0"/>
+                </a:solidFill>
+              </a:rPr>
+              <a:t>Easy to add new features</a:t>
+            </a:r>
+            <a:r>
+              <a:rPr lang="en-US" dirty="0" smtClean="0">
+                <a:solidFill>
+                  <a:schemeClr val="tx1"/>
+                </a:solidFill>
+              </a:rPr>
+              <a:t/>
+            </a:r>
+            <a:br>
+              <a:rPr lang="en-US" dirty="0" smtClean="0">
+                <a:solidFill>
+                  <a:schemeClr val="tx1"/>
+                </a:solidFill>
+              </a:rPr>
+            </a:br>
+            <a:r>
+              <a:rPr lang="en-US" dirty="0" smtClean="0">
+                <a:solidFill>
+                  <a:schemeClr val="tx1"/>
+                </a:solidFill>
+              </a:rPr>
+              <a:t/>
+            </a:r>
+            <a:br>
+              <a:rPr lang="en-US" dirty="0" smtClean="0">
+                <a:solidFill>
+                  <a:schemeClr val="tx1"/>
+                </a:solidFill>
+              </a:rPr>
+            </a:br>
+            <a:r>
+              <a:rPr lang="en-US" dirty="0">
+                <a:solidFill>
+                  <a:schemeClr val="tx1"/>
+                </a:solidFill>
+              </a:rPr>
+              <a:t>If you want to introduce a new feature, you can add it to the appropriate tier without affecting the other tiers.</a:t>
+            </a:r>
+            <a:endParaRPr lang="en-US" sz="3600" dirty="0">
+              <a:solidFill>
+                <a:schemeClr val="tx1"/>
+              </a:solidFill>
+            </a:endParaRPr>
+          </a:p>
+        </p:txBody>
+      </p:sp>
+    </p:spTree>
+    <p:extLst>
+      <p:ext uri="{BB962C8B-B14F-4D97-AF65-F5344CB8AC3E}">
+        <p14:creationId xmlns:p14="http://schemas.microsoft.com/office/powerpoint/2010/main" val="4155771031"/>
+      </p:ext>
+    </p:extLst>
+  </p:cSld>
+  <p:clrMapOvr>
+    <a:masterClrMapping/>
+  </p:clrMapOvr>
+  <p:timing>
+    <p:tnLst>
+      <p:par>
+        <p:cTn id="1" dur="indefinite" restart="never" nodeType="tmRoot"/>
+      </p:par>
+    </p:tnLst>
+  </p:timing>
+</p:sld>
+</file>
+
+<file path=ppt/slides/slide25.xml><?xml version="1.0" encoding="utf-8"?>
+<p:sld xmlns:a="http://schemas.openxmlformats.org/drawingml/2006/main" xmlns:r="http://schemas.openxmlformats.org/officeDocument/2006/relationships" xmlns:p="http://schemas.openxmlformats.org/presentationml/2006/main">
+  <p:cSld>
+    <p:spTree>
+      <p:nvGrpSpPr>
+        <p:cNvPr id="1" name=""/>
+        <p:cNvGrpSpPr/>
+        <p:nvPr/>
+      </p:nvGrpSpPr>
+      <p:grpSpPr>
+        <a:xfrm>
+          <a:off x="0" y="0"/>
+          <a:ext cx="0" cy="0"/>
+          <a:chOff x="0" y="0"/>
+          <a:chExt cx="0" cy="0"/>
+        </a:xfrm>
+      </p:grpSpPr>
+      <p:sp>
+        <p:nvSpPr>
+          <p:cNvPr id="4" name="Title 3"/>
+          <p:cNvSpPr>
+            <a:spLocks noGrp="1"/>
+          </p:cNvSpPr>
+          <p:nvPr>
+            <p:ph type="title"/>
+          </p:nvPr>
+        </p:nvSpPr>
+        <p:spPr>
+          <a:xfrm>
+            <a:off x="1371600" y="685800"/>
+            <a:ext cx="9601200" cy="5446060"/>
+          </a:xfrm>
+        </p:spPr>
+        <p:txBody>
+          <a:bodyPr anchor="ctr">
+            <a:normAutofit/>
+          </a:bodyPr>
+          <a:lstStyle/>
+          <a:p>
+            <a:r>
+              <a:rPr lang="en-US" u="sng" dirty="0">
+                <a:solidFill>
+                  <a:srgbClr val="0070C0"/>
+                </a:solidFill>
+              </a:rPr>
+              <a:t>Easy to reuse</a:t>
+            </a:r>
+            <a:r>
+              <a:rPr lang="en-US" dirty="0" smtClean="0">
+                <a:solidFill>
+                  <a:schemeClr val="tx1"/>
+                </a:solidFill>
+              </a:rPr>
+              <a:t/>
+            </a:r>
+            <a:br>
+              <a:rPr lang="en-US" dirty="0" smtClean="0">
+                <a:solidFill>
+                  <a:schemeClr val="tx1"/>
+                </a:solidFill>
+              </a:rPr>
+            </a:br>
+            <a:r>
+              <a:rPr lang="en-US" dirty="0" smtClean="0">
+                <a:solidFill>
+                  <a:schemeClr val="tx1"/>
+                </a:solidFill>
+              </a:rPr>
+              <a:t/>
+            </a:r>
+            <a:br>
+              <a:rPr lang="en-US" dirty="0" smtClean="0">
+                <a:solidFill>
+                  <a:schemeClr val="tx1"/>
+                </a:solidFill>
+              </a:rPr>
+            </a:br>
+            <a:r>
+              <a:rPr lang="en-US" sz="4000" dirty="0">
+                <a:solidFill>
+                  <a:schemeClr val="tx1"/>
+                </a:solidFill>
+              </a:rPr>
+              <a:t>Because the application is divided into independent tiers, you can easily reuse each tier for other software projects.  For instance, if you want to use the same program, but for a different data set, you can just replicate the logic and presentation tiers and then create a new data tier.</a:t>
+            </a:r>
+            <a:endParaRPr lang="en-US" sz="4000" dirty="0">
+              <a:solidFill>
+                <a:schemeClr val="tx1"/>
+              </a:solidFill>
+            </a:endParaRPr>
+          </a:p>
+        </p:txBody>
+      </p:sp>
+    </p:spTree>
+    <p:extLst>
+      <p:ext uri="{BB962C8B-B14F-4D97-AF65-F5344CB8AC3E}">
+        <p14:creationId xmlns:p14="http://schemas.microsoft.com/office/powerpoint/2010/main" val="1371246102"/>
+      </p:ext>
+    </p:extLst>
+  </p:cSld>
+  <p:clrMapOvr>
+    <a:masterClrMapping/>
+  </p:clrMapOvr>
+  <p:timing>
+    <p:tnLst>
+      <p:par>
+        <p:cTn id="1" dur="indefinite" restart="never" nodeType="tmRoot"/>
+      </p:par>
+    </p:tnLst>
+  </p:timing>
 </p:sld>
 </file>
 
@@ -9994,11 +9871,13 @@
           </a:xfrm>
         </p:spPr>
         <p:txBody>
-          <a:bodyPr/>
+          <a:bodyPr>
+            <a:normAutofit/>
+          </a:bodyPr>
           <a:lstStyle/>
           <a:p>
             <a:r>
-              <a:rPr lang="en-US" sz="3200" dirty="0">
+              <a:rPr lang="en-US" sz="3600" dirty="0">
                 <a:solidFill>
                   <a:prstClr val="black"/>
                 </a:solidFill>
@@ -10008,7 +9887,7 @@
               <a:t>Presentation </a:t>
             </a:r>
             <a:r>
-              <a:rPr lang="en-US" sz="3200" dirty="0" smtClean="0">
+              <a:rPr lang="en-US" sz="3600" dirty="0" smtClean="0">
                 <a:solidFill>
                   <a:prstClr val="black"/>
                 </a:solidFill>
@@ -10020,7 +9899,7 @@
           </a:p>
           <a:p>
             <a:r>
-              <a:rPr lang="en-US" sz="3200" dirty="0" smtClean="0">
+              <a:rPr lang="en-US" sz="3600" dirty="0" smtClean="0">
                 <a:solidFill>
                   <a:prstClr val="black"/>
                 </a:solidFill>
@@ -10032,7 +9911,7 @@
           </a:p>
           <a:p>
             <a:r>
-              <a:rPr lang="en-US" sz="3200" dirty="0" smtClean="0">
+              <a:rPr lang="en-US" sz="3600" dirty="0" smtClean="0">
                 <a:solidFill>
                   <a:prstClr val="black"/>
                 </a:solidFill>
@@ -10044,7 +9923,7 @@
           </a:p>
           <a:p>
             <a:r>
-              <a:rPr lang="en-US" sz="3200" dirty="0" smtClean="0">
+              <a:rPr lang="en-US" sz="3600" dirty="0" smtClean="0">
                 <a:solidFill>
                   <a:prstClr val="black"/>
                 </a:solidFill>
@@ -10054,7 +9933,7 @@
               <a:t>Data </a:t>
             </a:r>
             <a:r>
-              <a:rPr lang="en-US" sz="3200" dirty="0">
+              <a:rPr lang="en-US" sz="3600" dirty="0">
                 <a:solidFill>
                   <a:prstClr val="black"/>
                 </a:solidFill>
@@ -10063,7 +9942,7 @@
               </a:rPr>
               <a:t>access layer</a:t>
             </a:r>
-            <a:endParaRPr lang="en-US" dirty="0"/>
+            <a:endParaRPr lang="en-US" sz="3600" dirty="0"/>
           </a:p>
         </p:txBody>
       </p:sp>

--- a/presentations/n-layer.pptx
+++ b/presentations/n-layer.pptx
@@ -38,16 +38,16 @@
   <p:notesSz cx="6858000" cy="9144000"/>
   <p:embeddedFontLst>
     <p:embeddedFont>
-      <p:font typeface="Franklin Gothic Book" panose="020B0503020102020204" pitchFamily="34" charset="0"/>
+      <p:font typeface="Calibri" panose="020F0502020204030204" pitchFamily="34" charset="0"/>
       <p:regular r:id="rId28"/>
-      <p:italic r:id="rId29"/>
+      <p:bold r:id="rId29"/>
+      <p:italic r:id="rId30"/>
+      <p:boldItalic r:id="rId31"/>
     </p:embeddedFont>
     <p:embeddedFont>
-      <p:font typeface="Calibri" panose="020F0502020204030204" pitchFamily="34" charset="0"/>
-      <p:regular r:id="rId30"/>
-      <p:bold r:id="rId31"/>
-      <p:italic r:id="rId32"/>
-      <p:boldItalic r:id="rId33"/>
+      <p:font typeface="Franklin Gothic Book" panose="020B0604020202020204" charset="0"/>
+      <p:regular r:id="rId32"/>
+      <p:italic r:id="rId33"/>
     </p:embeddedFont>
   </p:embeddedFontLst>
   <p:defaultTextStyle>
@@ -7572,7 +7572,15 @@
                   <a:srgbClr val="0070C0"/>
                 </a:solidFill>
               </a:rPr>
-              <a:t>Business layer:</a:t>
+              <a:t>Business </a:t>
+            </a:r>
+            <a:r>
+              <a:rPr lang="en-US" u="sng" dirty="0" smtClean="0">
+                <a:solidFill>
+                  <a:srgbClr val="0070C0"/>
+                </a:solidFill>
+              </a:rPr>
+              <a:t>logic:</a:t>
             </a:r>
             <a:r>
               <a:rPr lang="en-US" dirty="0" smtClean="0">
@@ -7785,7 +7793,7 @@
                   <a:schemeClr val="tx1"/>
                 </a:solidFill>
               </a:rPr>
-              <a:t>inventories</a:t>
+              <a:t>inventories).</a:t>
             </a:r>
             <a:r>
               <a:rPr lang="en-US" sz="3600" dirty="0" smtClean="0">
@@ -7793,7 +7801,7 @@
                   <a:schemeClr val="tx1"/>
                 </a:solidFill>
               </a:rPr>
-              <a:t>.</a:t>
+              <a:t/>
             </a:r>
             <a:br>
               <a:rPr lang="en-US" sz="3600" dirty="0" smtClean="0">
@@ -9393,11 +9401,6 @@
               </a:rPr>
               <a:t>If you want to introduce a new feature, you can add it to the appropriate tier without affecting the other tiers.</a:t>
             </a:r>
-            <a:endParaRPr lang="en-US" sz="3600" dirty="0">
-              <a:solidFill>
-                <a:schemeClr val="tx1"/>
-              </a:solidFill>
-            </a:endParaRPr>
           </a:p>
         </p:txBody>
       </p:sp>
@@ -9619,11 +9622,6 @@
               </a:rPr>
               <a:t>Because the application is divided into independent tiers, you can easily reuse each tier for other software projects.  For instance, if you want to use the same program, but for a different data set, you can just replicate the logic and presentation tiers and then create a new data tier.</a:t>
             </a:r>
-            <a:endParaRPr lang="en-US" sz="4000" dirty="0">
-              <a:solidFill>
-                <a:schemeClr val="tx1"/>
-              </a:solidFill>
-            </a:endParaRPr>
           </a:p>
         </p:txBody>
       </p:sp>
